--- a/result_ppt/11黄山旅游/11黄山旅游.pptx
+++ b/result_ppt/11黄山旅游/11黄山旅游.pptx
@@ -3834,7 +3834,7 @@
               <c:strCache>
                 <c:ptCount val="1"/>
                 <c:pt idx="0">
-                  <c:v>研发费用 %</c:v>
+                  <c:v>经营活动产生利润 %</c:v>
                 </c:pt>
               </c:strCache>
             </c:strRef>
@@ -3931,19 +3931,19 @@
             <c:numRef>
               <c:f>qian!$F$2:$F$5</c:f>
               <c:numCache>
-                <c:formatCode>General</c:formatCode>
+                <c:formatCode>_(* #,##0.00_);_(* \(#,##0.00\);_(* "-"??_);_(@_)</c:formatCode>
                 <c:ptCount val="4"/>
                 <c:pt idx="0">
-                  <c:v>0</c:v>
+                  <c:v>27.03</c:v>
                 </c:pt>
                 <c:pt idx="1">
-                  <c:v>0</c:v>
+                  <c:v>29.73</c:v>
                 </c:pt>
                 <c:pt idx="2">
-                  <c:v>0</c:v>
+                  <c:v>29.73</c:v>
                 </c:pt>
                 <c:pt idx="3">
-                  <c:v>0</c:v>
+                  <c:v>29.52</c:v>
                 </c:pt>
               </c:numCache>
             </c:numRef>
@@ -3951,78 +3951,6 @@
           <c:extLst>
             <c:ext xmlns:c16="http://schemas.microsoft.com/office/drawing/2014/chart" uri="{C3380CC4-5D6E-409C-BE32-E72D297353CC}">
               <c16:uniqueId val="{00000003-D2DC-EC47-95A5-929628953FCC}"/>
-            </c:ext>
-          </c:extLst>
-        </c:ser>
-        <c:ser>
-          <c:idx val="5"/>
-          <c:order val="5"/>
-          <c:tx>
-            <c:strRef>
-              <c:f>qian!$G$1</c:f>
-              <c:strCache>
-                <c:ptCount val="1"/>
-                <c:pt idx="0">
-                  <c:v>经营活动产生利润 %</c:v>
-                </c:pt>
-              </c:strCache>
-            </c:strRef>
-          </c:tx>
-          <c:spPr>
-            <a:solidFill>
-              <a:schemeClr val="accent6"/>
-            </a:solidFill>
-            <a:ln>
-              <a:noFill/>
-            </a:ln>
-            <a:effectLst/>
-          </c:spPr>
-          <c:invertIfNegative val="0"/>
-          <c:cat>
-            <c:numRef>
-              <c:f>qian!$A$2:$A$5</c:f>
-              <c:numCache>
-                <c:formatCode>General</c:formatCode>
-                <c:ptCount val="4"/>
-                <c:pt idx="0">
-                  <c:v>2015</c:v>
-                </c:pt>
-                <c:pt idx="1">
-                  <c:v>2016</c:v>
-                </c:pt>
-                <c:pt idx="2">
-                  <c:v>2017</c:v>
-                </c:pt>
-                <c:pt idx="3">
-                  <c:v>2018</c:v>
-                </c:pt>
-              </c:numCache>
-            </c:numRef>
-          </c:cat>
-          <c:val>
-            <c:numRef>
-              <c:f>qian!$G$2:$G$5</c:f>
-              <c:numCache>
-                <c:formatCode>_(* #,##0.00_);_(* \(#,##0.00\);_(* "-"??_);_(@_)</c:formatCode>
-                <c:ptCount val="4"/>
-                <c:pt idx="0">
-                  <c:v>27.03</c:v>
-                </c:pt>
-                <c:pt idx="1">
-                  <c:v>29.73</c:v>
-                </c:pt>
-                <c:pt idx="2">
-                  <c:v>29.73</c:v>
-                </c:pt>
-                <c:pt idx="3">
-                  <c:v>29.52</c:v>
-                </c:pt>
-              </c:numCache>
-            </c:numRef>
-          </c:val>
-          <c:extLst>
-            <c:ext xmlns:c16="http://schemas.microsoft.com/office/drawing/2014/chart" uri="{C3380CC4-5D6E-409C-BE32-E72D297353CC}">
-              <c16:uniqueId val="{00000001-D5F0-9E42-9D51-F929367A7890}"/>
             </c:ext>
           </c:extLst>
         </c:ser>
@@ -4254,10 +4182,10 @@
               </a:defRPr>
             </a:pPr>
             <a:r>
-              <a:rPr lang="zh-CN" altLang="zh-CN" sz="1862" b="0" i="0" u="none" strike="noStrike" baseline="0" dirty="0">
+              <a:rPr lang="zh-CN" altLang="en-US" sz="1862" b="0" i="0" u="none" strike="noStrike" baseline="0" dirty="0">
                 <a:effectLst/>
               </a:rPr>
-              <a:t>立讯精密</a:t>
+              <a:t>黄山旅游</a:t>
             </a:r>
             <a:r>
               <a:rPr lang="zh-CN" altLang="en-US" dirty="0"/>
@@ -5785,7 +5713,7 @@
               <c:strCache>
                 <c:ptCount val="1"/>
                 <c:pt idx="0">
-                  <c:v>存货（亿元）</c:v>
+                  <c:v>可供出售的金融资产（亿元）</c:v>
                 </c:pt>
               </c:strCache>
             </c:strRef>
@@ -5794,68 +5722,11 @@
             <a:solidFill>
               <a:schemeClr val="accent2"/>
             </a:solidFill>
-            <a:ln>
+            <a:ln w="25400">
               <a:noFill/>
             </a:ln>
             <a:effectLst/>
           </c:spPr>
-          <c:dLbls>
-            <c:spPr>
-              <a:noFill/>
-              <a:ln>
-                <a:noFill/>
-              </a:ln>
-              <a:effectLst/>
-            </c:spPr>
-            <c:txPr>
-              <a:bodyPr rot="0" spcFirstLastPara="1" vertOverflow="ellipsis" vert="horz" wrap="square" lIns="38100" tIns="19050" rIns="38100" bIns="19050" anchor="ctr" anchorCtr="1">
-                <a:spAutoFit/>
-              </a:bodyPr>
-              <a:lstStyle/>
-              <a:p>
-                <a:pPr>
-                  <a:defRPr sz="1197" b="0" i="0" u="none" strike="noStrike" kern="1200" baseline="0">
-                    <a:solidFill>
-                      <a:schemeClr val="tx1">
-                        <a:lumMod val="75000"/>
-                        <a:lumOff val="25000"/>
-                      </a:schemeClr>
-                    </a:solidFill>
-                    <a:latin typeface="+mn-lt"/>
-                    <a:ea typeface="+mn-ea"/>
-                    <a:cs typeface="+mn-cs"/>
-                  </a:defRPr>
-                </a:pPr>
-                <a:endParaRPr lang="zh-CN"/>
-              </a:p>
-            </c:txPr>
-            <c:showLegendKey val="0"/>
-            <c:showVal val="1"/>
-            <c:showCatName val="0"/>
-            <c:showSerName val="0"/>
-            <c:showPercent val="0"/>
-            <c:showBubbleSize val="0"/>
-            <c:showLeaderLines val="0"/>
-            <c:extLst>
-              <c:ext xmlns:c15="http://schemas.microsoft.com/office/drawing/2012/chart" uri="{CE6537A1-D6FC-4f65-9D91-7224C49458BB}">
-                <c15:showLeaderLines val="1"/>
-                <c15:leaderLines>
-                  <c:spPr>
-                    <a:ln w="9525" cap="flat" cmpd="sng" algn="ctr">
-                      <a:solidFill>
-                        <a:schemeClr val="tx1">
-                          <a:lumMod val="35000"/>
-                          <a:lumOff val="65000"/>
-                        </a:schemeClr>
-                      </a:solidFill>
-                      <a:round/>
-                    </a:ln>
-                    <a:effectLst/>
-                  </c:spPr>
-                </c15:leaderLines>
-              </c:ext>
-            </c:extLst>
-          </c:dLbls>
           <c:cat>
             <c:numRef>
               <c:f>Sheet1!$A$2:$A$12</c:f>
@@ -5905,37 +5776,37 @@
                 <c:formatCode>General</c:formatCode>
                 <c:ptCount val="11"/>
                 <c:pt idx="0">
-                  <c:v>2.77</c:v>
+                  <c:v>0</c:v>
                 </c:pt>
                 <c:pt idx="1">
-                  <c:v>4.18</c:v>
+                  <c:v>0</c:v>
                 </c:pt>
                 <c:pt idx="2">
-                  <c:v>5.38</c:v>
+                  <c:v>0</c:v>
                 </c:pt>
                 <c:pt idx="3">
-                  <c:v>8.39</c:v>
+                  <c:v>0</c:v>
                 </c:pt>
                 <c:pt idx="4">
-                  <c:v>8.41</c:v>
+                  <c:v>0</c:v>
                 </c:pt>
                 <c:pt idx="5">
-                  <c:v>8.59</c:v>
+                  <c:v>0</c:v>
                 </c:pt>
                 <c:pt idx="6">
-                  <c:v>8.3800000000000008</c:v>
+                  <c:v>0.54</c:v>
                 </c:pt>
                 <c:pt idx="7">
-                  <c:v>7.7</c:v>
+                  <c:v>0.54</c:v>
                 </c:pt>
                 <c:pt idx="8">
-                  <c:v>7.84</c:v>
+                  <c:v>12.77</c:v>
                 </c:pt>
                 <c:pt idx="9">
-                  <c:v>0.22</c:v>
+                  <c:v>6.76</c:v>
                 </c:pt>
                 <c:pt idx="10">
-                  <c:v>0.25</c:v>
+                  <c:v>4.5599999999999996</c:v>
                 </c:pt>
               </c:numCache>
             </c:numRef>
@@ -5955,7 +5826,7 @@
               <c:strCache>
                 <c:ptCount val="1"/>
                 <c:pt idx="0">
-                  <c:v>应收票据及应收账款（亿元）</c:v>
+                  <c:v>固定资产（亿元）</c:v>
                 </c:pt>
               </c:strCache>
             </c:strRef>
@@ -6018,37 +5889,37 @@
                 <c:formatCode>General</c:formatCode>
                 <c:ptCount val="11"/>
                 <c:pt idx="0">
-                  <c:v>0.39</c:v>
+                  <c:v>9.0500000000000007</c:v>
                 </c:pt>
                 <c:pt idx="1">
-                  <c:v>0.47</c:v>
+                  <c:v>9.25</c:v>
                 </c:pt>
                 <c:pt idx="2">
-                  <c:v>0.42</c:v>
+                  <c:v>9.4700000000000006</c:v>
                 </c:pt>
                 <c:pt idx="3">
-                  <c:v>0.48</c:v>
+                  <c:v>9.18</c:v>
                 </c:pt>
                 <c:pt idx="4">
-                  <c:v>0.55000000000000004</c:v>
+                  <c:v>17.489999999999998</c:v>
                 </c:pt>
                 <c:pt idx="5">
-                  <c:v>0.38</c:v>
+                  <c:v>18.489999999999998</c:v>
                 </c:pt>
                 <c:pt idx="6">
-                  <c:v>0.42</c:v>
+                  <c:v>18.63</c:v>
                 </c:pt>
                 <c:pt idx="7">
-                  <c:v>0.52</c:v>
+                  <c:v>18.850000000000001</c:v>
                 </c:pt>
                 <c:pt idx="8">
-                  <c:v>0.39</c:v>
+                  <c:v>17.54</c:v>
                 </c:pt>
                 <c:pt idx="9">
-                  <c:v>0.62</c:v>
+                  <c:v>16.89</c:v>
                 </c:pt>
                 <c:pt idx="10">
-                  <c:v>0.56999999999999995</c:v>
+                  <c:v>16.43</c:v>
                 </c:pt>
               </c:numCache>
             </c:numRef>
@@ -6056,232 +5927,6 @@
           <c:extLst>
             <c:ext xmlns:c16="http://schemas.microsoft.com/office/drawing/2014/chart" uri="{C3380CC4-5D6E-409C-BE32-E72D297353CC}">
               <c16:uniqueId val="{00000001-6308-4E45-8FCD-3DCC286E09E5}"/>
-            </c:ext>
-          </c:extLst>
-        </c:ser>
-        <c:ser>
-          <c:idx val="3"/>
-          <c:order val="3"/>
-          <c:tx>
-            <c:strRef>
-              <c:f>Sheet1!$E$1</c:f>
-              <c:strCache>
-                <c:ptCount val="1"/>
-                <c:pt idx="0">
-                  <c:v>固定资产（亿元）</c:v>
-                </c:pt>
-              </c:strCache>
-            </c:strRef>
-          </c:tx>
-          <c:spPr>
-            <a:solidFill>
-              <a:schemeClr val="accent4"/>
-            </a:solidFill>
-            <a:ln w="25400">
-              <a:noFill/>
-            </a:ln>
-            <a:effectLst/>
-          </c:spPr>
-          <c:cat>
-            <c:numRef>
-              <c:f>Sheet1!$A$2:$A$12</c:f>
-              <c:numCache>
-                <c:formatCode>General</c:formatCode>
-                <c:ptCount val="11"/>
-                <c:pt idx="0">
-                  <c:v>2008</c:v>
-                </c:pt>
-                <c:pt idx="1">
-                  <c:v>2009</c:v>
-                </c:pt>
-                <c:pt idx="2">
-                  <c:v>2010</c:v>
-                </c:pt>
-                <c:pt idx="3">
-                  <c:v>2011</c:v>
-                </c:pt>
-                <c:pt idx="4">
-                  <c:v>2012</c:v>
-                </c:pt>
-                <c:pt idx="5">
-                  <c:v>2013</c:v>
-                </c:pt>
-                <c:pt idx="6">
-                  <c:v>2014</c:v>
-                </c:pt>
-                <c:pt idx="7">
-                  <c:v>2015</c:v>
-                </c:pt>
-                <c:pt idx="8">
-                  <c:v>2016</c:v>
-                </c:pt>
-                <c:pt idx="9">
-                  <c:v>2017</c:v>
-                </c:pt>
-                <c:pt idx="10">
-                  <c:v>2018</c:v>
-                </c:pt>
-              </c:numCache>
-            </c:numRef>
-          </c:cat>
-          <c:val>
-            <c:numRef>
-              <c:f>Sheet1!$E$2:$E$12</c:f>
-              <c:numCache>
-                <c:formatCode>General</c:formatCode>
-                <c:ptCount val="11"/>
-                <c:pt idx="0">
-                  <c:v>9.0500000000000007</c:v>
-                </c:pt>
-                <c:pt idx="1">
-                  <c:v>9.25</c:v>
-                </c:pt>
-                <c:pt idx="2">
-                  <c:v>9.4700000000000006</c:v>
-                </c:pt>
-                <c:pt idx="3">
-                  <c:v>9.18</c:v>
-                </c:pt>
-                <c:pt idx="4">
-                  <c:v>17.489999999999998</c:v>
-                </c:pt>
-                <c:pt idx="5">
-                  <c:v>18.489999999999998</c:v>
-                </c:pt>
-                <c:pt idx="6">
-                  <c:v>18.63</c:v>
-                </c:pt>
-                <c:pt idx="7">
-                  <c:v>18.850000000000001</c:v>
-                </c:pt>
-                <c:pt idx="8">
-                  <c:v>17.54</c:v>
-                </c:pt>
-                <c:pt idx="9">
-                  <c:v>16.89</c:v>
-                </c:pt>
-                <c:pt idx="10">
-                  <c:v>16.43</c:v>
-                </c:pt>
-              </c:numCache>
-            </c:numRef>
-          </c:val>
-          <c:extLst>
-            <c:ext xmlns:c16="http://schemas.microsoft.com/office/drawing/2014/chart" uri="{C3380CC4-5D6E-409C-BE32-E72D297353CC}">
-              <c16:uniqueId val="{00000002-6308-4E45-8FCD-3DCC286E09E5}"/>
-            </c:ext>
-          </c:extLst>
-        </c:ser>
-        <c:ser>
-          <c:idx val="4"/>
-          <c:order val="4"/>
-          <c:tx>
-            <c:strRef>
-              <c:f>Sheet1!$F$1</c:f>
-              <c:strCache>
-                <c:ptCount val="1"/>
-                <c:pt idx="0">
-                  <c:v>在建工程（亿元）</c:v>
-                </c:pt>
-              </c:strCache>
-            </c:strRef>
-          </c:tx>
-          <c:spPr>
-            <a:solidFill>
-              <a:schemeClr val="accent6"/>
-            </a:solidFill>
-            <a:ln w="25400">
-              <a:noFill/>
-            </a:ln>
-            <a:effectLst/>
-          </c:spPr>
-          <c:cat>
-            <c:numRef>
-              <c:f>Sheet1!$A$2:$A$12</c:f>
-              <c:numCache>
-                <c:formatCode>General</c:formatCode>
-                <c:ptCount val="11"/>
-                <c:pt idx="0">
-                  <c:v>2008</c:v>
-                </c:pt>
-                <c:pt idx="1">
-                  <c:v>2009</c:v>
-                </c:pt>
-                <c:pt idx="2">
-                  <c:v>2010</c:v>
-                </c:pt>
-                <c:pt idx="3">
-                  <c:v>2011</c:v>
-                </c:pt>
-                <c:pt idx="4">
-                  <c:v>2012</c:v>
-                </c:pt>
-                <c:pt idx="5">
-                  <c:v>2013</c:v>
-                </c:pt>
-                <c:pt idx="6">
-                  <c:v>2014</c:v>
-                </c:pt>
-                <c:pt idx="7">
-                  <c:v>2015</c:v>
-                </c:pt>
-                <c:pt idx="8">
-                  <c:v>2016</c:v>
-                </c:pt>
-                <c:pt idx="9">
-                  <c:v>2017</c:v>
-                </c:pt>
-                <c:pt idx="10">
-                  <c:v>2018</c:v>
-                </c:pt>
-              </c:numCache>
-            </c:numRef>
-          </c:cat>
-          <c:val>
-            <c:numRef>
-              <c:f>Sheet1!$F$2:$F$12</c:f>
-              <c:numCache>
-                <c:formatCode>General</c:formatCode>
-                <c:ptCount val="11"/>
-                <c:pt idx="0">
-                  <c:v>0.21</c:v>
-                </c:pt>
-                <c:pt idx="1">
-                  <c:v>0.52</c:v>
-                </c:pt>
-                <c:pt idx="2">
-                  <c:v>1.98</c:v>
-                </c:pt>
-                <c:pt idx="3">
-                  <c:v>6.15</c:v>
-                </c:pt>
-                <c:pt idx="4">
-                  <c:v>1.32</c:v>
-                </c:pt>
-                <c:pt idx="5">
-                  <c:v>0.19</c:v>
-                </c:pt>
-                <c:pt idx="6">
-                  <c:v>1.18</c:v>
-                </c:pt>
-                <c:pt idx="7">
-                  <c:v>0.06</c:v>
-                </c:pt>
-                <c:pt idx="8">
-                  <c:v>0.11</c:v>
-                </c:pt>
-                <c:pt idx="9">
-                  <c:v>0.24</c:v>
-                </c:pt>
-                <c:pt idx="10">
-                  <c:v>0.4</c:v>
-                </c:pt>
-              </c:numCache>
-            </c:numRef>
-          </c:val>
-          <c:extLst>
-            <c:ext xmlns:c16="http://schemas.microsoft.com/office/drawing/2014/chart" uri="{C3380CC4-5D6E-409C-BE32-E72D297353CC}">
-              <c16:uniqueId val="{00000004-6308-4E45-8FCD-3DCC286E09E5}"/>
             </c:ext>
           </c:extLst>
         </c:ser>
@@ -6566,7 +6211,7 @@
               <c:strCache>
                 <c:ptCount val="1"/>
                 <c:pt idx="0">
-                  <c:v>应付票据及应付账款（亿元）</c:v>
+                  <c:v>其他应付款（亿元）</c:v>
                 </c:pt>
               </c:strCache>
             </c:strRef>
@@ -6686,37 +6331,37 @@
                 <c:formatCode>General</c:formatCode>
                 <c:ptCount val="11"/>
                 <c:pt idx="0">
-                  <c:v>0.28999999999999998</c:v>
+                  <c:v>2.15</c:v>
                 </c:pt>
                 <c:pt idx="1">
-                  <c:v>0.43</c:v>
+                  <c:v>1.92</c:v>
                 </c:pt>
                 <c:pt idx="2">
-                  <c:v>0.77</c:v>
+                  <c:v>2.64</c:v>
                 </c:pt>
                 <c:pt idx="3">
-                  <c:v>0.95</c:v>
+                  <c:v>3.08</c:v>
                 </c:pt>
                 <c:pt idx="4">
-                  <c:v>2.0699999999999998</c:v>
+                  <c:v>2.87</c:v>
                 </c:pt>
                 <c:pt idx="5">
-                  <c:v>1.66</c:v>
+                  <c:v>2.48</c:v>
                 </c:pt>
                 <c:pt idx="6">
-                  <c:v>2.4</c:v>
+                  <c:v>2.1800000000000002</c:v>
                 </c:pt>
                 <c:pt idx="7">
-                  <c:v>1.85</c:v>
+                  <c:v>2.73</c:v>
                 </c:pt>
                 <c:pt idx="8">
-                  <c:v>1.32</c:v>
+                  <c:v>1.36</c:v>
                 </c:pt>
                 <c:pt idx="9">
-                  <c:v>0.99</c:v>
+                  <c:v>1.17</c:v>
                 </c:pt>
                 <c:pt idx="10">
-                  <c:v>0.89</c:v>
+                  <c:v>1.06</c:v>
                 </c:pt>
               </c:numCache>
             </c:numRef>
@@ -6736,7 +6381,7 @@
               <c:strCache>
                 <c:ptCount val="1"/>
                 <c:pt idx="0">
-                  <c:v>其他应付款（亿元）</c:v>
+                  <c:v>应付票据及应付账款（亿元）</c:v>
                 </c:pt>
               </c:strCache>
             </c:strRef>
@@ -6856,37 +6501,37 @@
                 <c:formatCode>General</c:formatCode>
                 <c:ptCount val="11"/>
                 <c:pt idx="0">
-                  <c:v>2.15</c:v>
+                  <c:v>0.28999999999999998</c:v>
                 </c:pt>
                 <c:pt idx="1">
-                  <c:v>1.92</c:v>
+                  <c:v>0.43</c:v>
                 </c:pt>
                 <c:pt idx="2">
-                  <c:v>2.64</c:v>
+                  <c:v>0.77</c:v>
                 </c:pt>
                 <c:pt idx="3">
-                  <c:v>3.08</c:v>
+                  <c:v>0.95</c:v>
                 </c:pt>
                 <c:pt idx="4">
-                  <c:v>2.87</c:v>
+                  <c:v>2.0699999999999998</c:v>
                 </c:pt>
                 <c:pt idx="5">
-                  <c:v>2.48</c:v>
+                  <c:v>1.66</c:v>
                 </c:pt>
                 <c:pt idx="6">
-                  <c:v>2.1800000000000002</c:v>
+                  <c:v>2.4</c:v>
                 </c:pt>
                 <c:pt idx="7">
-                  <c:v>2.73</c:v>
+                  <c:v>1.85</c:v>
                 </c:pt>
                 <c:pt idx="8">
-                  <c:v>1.36</c:v>
+                  <c:v>1.32</c:v>
                 </c:pt>
                 <c:pt idx="9">
-                  <c:v>1.17</c:v>
+                  <c:v>0.99</c:v>
                 </c:pt>
                 <c:pt idx="10">
-                  <c:v>1.06</c:v>
+                  <c:v>0.89</c:v>
                 </c:pt>
               </c:numCache>
             </c:numRef>
@@ -6894,6 +6539,176 @@
           <c:extLst>
             <c:ext xmlns:c16="http://schemas.microsoft.com/office/drawing/2014/chart" uri="{C3380CC4-5D6E-409C-BE32-E72D297353CC}">
               <c16:uniqueId val="{00000001-5EE3-4E2F-AECD-79B8CA27259C}"/>
+            </c:ext>
+          </c:extLst>
+        </c:ser>
+        <c:ser>
+          <c:idx val="2"/>
+          <c:order val="2"/>
+          <c:tx>
+            <c:strRef>
+              <c:f>Sheet1!$D$1</c:f>
+              <c:strCache>
+                <c:ptCount val="1"/>
+                <c:pt idx="0">
+                  <c:v>应交税费（亿元）</c:v>
+                </c:pt>
+              </c:strCache>
+            </c:strRef>
+          </c:tx>
+          <c:spPr>
+            <a:solidFill>
+              <a:schemeClr val="accent3"/>
+            </a:solidFill>
+            <a:ln w="25400">
+              <a:noFill/>
+            </a:ln>
+            <a:effectLst/>
+          </c:spPr>
+          <c:dLbls>
+            <c:spPr>
+              <a:noFill/>
+              <a:ln>
+                <a:noFill/>
+              </a:ln>
+              <a:effectLst/>
+            </c:spPr>
+            <c:txPr>
+              <a:bodyPr rot="0" spcFirstLastPara="1" vertOverflow="ellipsis" vert="horz" wrap="square" lIns="38100" tIns="19050" rIns="38100" bIns="19050" anchor="ctr" anchorCtr="1">
+                <a:spAutoFit/>
+              </a:bodyPr>
+              <a:lstStyle/>
+              <a:p>
+                <a:pPr>
+                  <a:defRPr sz="1197" b="0" i="0" u="none" strike="noStrike" kern="1200" baseline="0">
+                    <a:solidFill>
+                      <a:schemeClr val="tx1">
+                        <a:lumMod val="75000"/>
+                        <a:lumOff val="25000"/>
+                      </a:schemeClr>
+                    </a:solidFill>
+                    <a:latin typeface="+mn-lt"/>
+                    <a:ea typeface="+mn-ea"/>
+                    <a:cs typeface="+mn-cs"/>
+                  </a:defRPr>
+                </a:pPr>
+                <a:endParaRPr lang="zh-CN"/>
+              </a:p>
+            </c:txPr>
+            <c:showLegendKey val="0"/>
+            <c:showVal val="1"/>
+            <c:showCatName val="0"/>
+            <c:showSerName val="0"/>
+            <c:showPercent val="0"/>
+            <c:showBubbleSize val="0"/>
+            <c:showLeaderLines val="0"/>
+            <c:extLst>
+              <c:ext xmlns:c15="http://schemas.microsoft.com/office/drawing/2012/chart" uri="{CE6537A1-D6FC-4f65-9D91-7224C49458BB}">
+                <c15:showLeaderLines val="1"/>
+                <c15:leaderLines>
+                  <c:spPr>
+                    <a:ln w="9525" cap="flat" cmpd="sng" algn="ctr">
+                      <a:solidFill>
+                        <a:schemeClr val="tx1">
+                          <a:lumMod val="35000"/>
+                          <a:lumOff val="65000"/>
+                        </a:schemeClr>
+                      </a:solidFill>
+                      <a:round/>
+                    </a:ln>
+                    <a:effectLst/>
+                  </c:spPr>
+                </c15:leaderLines>
+              </c:ext>
+            </c:extLst>
+          </c:dLbls>
+          <c:cat>
+            <c:numRef>
+              <c:f>Sheet1!$A$2:$A$12</c:f>
+              <c:numCache>
+                <c:formatCode>General</c:formatCode>
+                <c:ptCount val="11"/>
+                <c:pt idx="0">
+                  <c:v>2008</c:v>
+                </c:pt>
+                <c:pt idx="1">
+                  <c:v>2009</c:v>
+                </c:pt>
+                <c:pt idx="2">
+                  <c:v>2010</c:v>
+                </c:pt>
+                <c:pt idx="3">
+                  <c:v>2011</c:v>
+                </c:pt>
+                <c:pt idx="4">
+                  <c:v>2012</c:v>
+                </c:pt>
+                <c:pt idx="5">
+                  <c:v>2013</c:v>
+                </c:pt>
+                <c:pt idx="6">
+                  <c:v>2014</c:v>
+                </c:pt>
+                <c:pt idx="7">
+                  <c:v>2015</c:v>
+                </c:pt>
+                <c:pt idx="8">
+                  <c:v>2016</c:v>
+                </c:pt>
+                <c:pt idx="9">
+                  <c:v>2017</c:v>
+                </c:pt>
+                <c:pt idx="10">
+                  <c:v>2018</c:v>
+                </c:pt>
+              </c:numCache>
+            </c:numRef>
+          </c:cat>
+          <c:val>
+            <c:numRef>
+              <c:f>Sheet1!$D$2:$D$12</c:f>
+              <c:numCache>
+                <c:formatCode>General</c:formatCode>
+                <c:ptCount val="11"/>
+                <c:pt idx="0">
+                  <c:v>1.18</c:v>
+                </c:pt>
+                <c:pt idx="1">
+                  <c:v>0.83</c:v>
+                </c:pt>
+                <c:pt idx="2">
+                  <c:v>0.59</c:v>
+                </c:pt>
+                <c:pt idx="3">
+                  <c:v>0.67</c:v>
+                </c:pt>
+                <c:pt idx="4">
+                  <c:v>0.52</c:v>
+                </c:pt>
+                <c:pt idx="5">
+                  <c:v>0.36</c:v>
+                </c:pt>
+                <c:pt idx="6">
+                  <c:v>0.41</c:v>
+                </c:pt>
+                <c:pt idx="7">
+                  <c:v>0.89</c:v>
+                </c:pt>
+                <c:pt idx="8">
+                  <c:v>1.01</c:v>
+                </c:pt>
+                <c:pt idx="9">
+                  <c:v>0.93</c:v>
+                </c:pt>
+                <c:pt idx="10">
+                  <c:v>1.29</c:v>
+                </c:pt>
+              </c:numCache>
+            </c:numRef>
+          </c:val>
+          <c:extLst>
+            <c:ext xmlns:c16="http://schemas.microsoft.com/office/drawing/2014/chart" uri="{C3380CC4-5D6E-409C-BE32-E72D297353CC}">
+              <c16:uniqueId val="{00000002-7A94-2F46-8311-358CDCCC6D35}"/>
             </c:ext>
           </c:extLst>
         </c:ser>
@@ -12214,7 +12029,7 @@
           <a:p>
             <a:fld id="{CABA1996-3473-4B90-97F8-63F65D2C44E5}" type="datetimeFigureOut">
               <a:rPr lang="zh-CN" altLang="en-US" smtClean="0"/>
-              <a:t>2022/8/26</a:t>
+              <a:t>2022/8/27</a:t>
             </a:fld>
             <a:endParaRPr lang="zh-CN" altLang="en-US"/>
           </a:p>
@@ -12412,7 +12227,7 @@
           <a:p>
             <a:fld id="{CABA1996-3473-4B90-97F8-63F65D2C44E5}" type="datetimeFigureOut">
               <a:rPr lang="zh-CN" altLang="en-US" smtClean="0"/>
-              <a:t>2022/8/26</a:t>
+              <a:t>2022/8/27</a:t>
             </a:fld>
             <a:endParaRPr lang="zh-CN" altLang="en-US"/>
           </a:p>
@@ -12620,7 +12435,7 @@
           <a:p>
             <a:fld id="{CABA1996-3473-4B90-97F8-63F65D2C44E5}" type="datetimeFigureOut">
               <a:rPr lang="zh-CN" altLang="en-US" smtClean="0"/>
-              <a:t>2022/8/26</a:t>
+              <a:t>2022/8/27</a:t>
             </a:fld>
             <a:endParaRPr lang="zh-CN" altLang="en-US"/>
           </a:p>
@@ -12818,7 +12633,7 @@
           <a:p>
             <a:fld id="{CABA1996-3473-4B90-97F8-63F65D2C44E5}" type="datetimeFigureOut">
               <a:rPr lang="zh-CN" altLang="en-US" smtClean="0"/>
-              <a:t>2022/8/26</a:t>
+              <a:t>2022/8/27</a:t>
             </a:fld>
             <a:endParaRPr lang="zh-CN" altLang="en-US"/>
           </a:p>
@@ -13093,7 +12908,7 @@
           <a:p>
             <a:fld id="{CABA1996-3473-4B90-97F8-63F65D2C44E5}" type="datetimeFigureOut">
               <a:rPr lang="zh-CN" altLang="en-US" smtClean="0"/>
-              <a:t>2022/8/26</a:t>
+              <a:t>2022/8/27</a:t>
             </a:fld>
             <a:endParaRPr lang="zh-CN" altLang="en-US"/>
           </a:p>
@@ -13358,7 +13173,7 @@
           <a:p>
             <a:fld id="{CABA1996-3473-4B90-97F8-63F65D2C44E5}" type="datetimeFigureOut">
               <a:rPr lang="zh-CN" altLang="en-US" smtClean="0"/>
-              <a:t>2022/8/26</a:t>
+              <a:t>2022/8/27</a:t>
             </a:fld>
             <a:endParaRPr lang="zh-CN" altLang="en-US"/>
           </a:p>
@@ -13770,7 +13585,7 @@
           <a:p>
             <a:fld id="{CABA1996-3473-4B90-97F8-63F65D2C44E5}" type="datetimeFigureOut">
               <a:rPr lang="zh-CN" altLang="en-US" smtClean="0"/>
-              <a:t>2022/8/26</a:t>
+              <a:t>2022/8/27</a:t>
             </a:fld>
             <a:endParaRPr lang="zh-CN" altLang="en-US"/>
           </a:p>
@@ -13911,7 +13726,7 @@
           <a:p>
             <a:fld id="{CABA1996-3473-4B90-97F8-63F65D2C44E5}" type="datetimeFigureOut">
               <a:rPr lang="zh-CN" altLang="en-US" smtClean="0"/>
-              <a:t>2022/8/26</a:t>
+              <a:t>2022/8/27</a:t>
             </a:fld>
             <a:endParaRPr lang="zh-CN" altLang="en-US"/>
           </a:p>
@@ -14024,7 +13839,7 @@
           <a:p>
             <a:fld id="{CABA1996-3473-4B90-97F8-63F65D2C44E5}" type="datetimeFigureOut">
               <a:rPr lang="zh-CN" altLang="en-US" smtClean="0"/>
-              <a:t>2022/8/26</a:t>
+              <a:t>2022/8/27</a:t>
             </a:fld>
             <a:endParaRPr lang="zh-CN" altLang="en-US"/>
           </a:p>
@@ -14335,7 +14150,7 @@
           <a:p>
             <a:fld id="{CABA1996-3473-4B90-97F8-63F65D2C44E5}" type="datetimeFigureOut">
               <a:rPr lang="zh-CN" altLang="en-US" smtClean="0"/>
-              <a:t>2022/8/26</a:t>
+              <a:t>2022/8/27</a:t>
             </a:fld>
             <a:endParaRPr lang="zh-CN" altLang="en-US"/>
           </a:p>
@@ -14623,7 +14438,7 @@
           <a:p>
             <a:fld id="{CABA1996-3473-4B90-97F8-63F65D2C44E5}" type="datetimeFigureOut">
               <a:rPr lang="zh-CN" altLang="en-US" smtClean="0"/>
-              <a:t>2022/8/26</a:t>
+              <a:t>2022/8/27</a:t>
             </a:fld>
             <a:endParaRPr lang="zh-CN" altLang="en-US"/>
           </a:p>
@@ -14864,7 +14679,7 @@
           <a:p>
             <a:fld id="{CABA1996-3473-4B90-97F8-63F65D2C44E5}" type="datetimeFigureOut">
               <a:rPr lang="zh-CN" altLang="en-US" smtClean="0"/>
-              <a:t>2022/8/26</a:t>
+              <a:t>2022/8/27</a:t>
             </a:fld>
             <a:endParaRPr lang="zh-CN" altLang="en-US"/>
           </a:p>
@@ -15352,7 +15167,7 @@
           <p:nvPr>
             <p:extLst>
               <p:ext uri="{D42A27DB-BD31-4B8C-83A1-F6EECF244321}">
-                <p14:modId xmlns:p14="http://schemas.microsoft.com/office/powerpoint/2010/main" val="553389613"/>
+                <p14:modId xmlns:p14="http://schemas.microsoft.com/office/powerpoint/2010/main" val="3030976530"/>
               </p:ext>
             </p:extLst>
           </p:nvPr>
@@ -15601,6 +15416,36 @@
           <a:chExt cx="0" cy="0"/>
         </a:xfrm>
       </p:grpSpPr>
+      <p:pic>
+        <p:nvPicPr>
+          <p:cNvPr id="2" name="图片 1">
+            <a:extLst>
+              <a:ext uri="{FF2B5EF4-FFF2-40B4-BE49-F238E27FC236}">
+                <a16:creationId xmlns:a16="http://schemas.microsoft.com/office/drawing/2014/main" id="{4151221A-0F57-6B48-849F-28F26189409C}"/>
+              </a:ext>
+            </a:extLst>
+          </p:cNvPr>
+          <p:cNvPicPr>
+            <a:picLocks noChangeAspect="1"/>
+          </p:cNvPicPr>
+          <p:nvPr/>
+        </p:nvPicPr>
+        <p:blipFill>
+          <a:blip r:embed="rId2"/>
+          <a:stretch>
+            <a:fillRect/>
+          </a:stretch>
+        </p:blipFill>
+        <p:spPr>
+          <a:xfrm>
+            <a:off x="0" y="1923126"/>
+            <a:ext cx="12192000" cy="3011747"/>
+          </a:xfrm>
+          <a:prstGeom prst="rect">
+            <a:avLst/>
+          </a:prstGeom>
+        </p:spPr>
+      </p:pic>
     </p:spTree>
     <p:extLst>
       <p:ext uri="{BB962C8B-B14F-4D97-AF65-F5344CB8AC3E}">
@@ -15644,7 +15489,7 @@
           <p:nvPr>
             <p:extLst>
               <p:ext uri="{D42A27DB-BD31-4B8C-83A1-F6EECF244321}">
-                <p14:modId xmlns:p14="http://schemas.microsoft.com/office/powerpoint/2010/main" val="133929502"/>
+                <p14:modId xmlns:p14="http://schemas.microsoft.com/office/powerpoint/2010/main" val="3769172088"/>
               </p:ext>
             </p:extLst>
           </p:nvPr>
@@ -15702,7 +15547,7 @@
           <p:nvPr>
             <p:extLst>
               <p:ext uri="{D42A27DB-BD31-4B8C-83A1-F6EECF244321}">
-                <p14:modId xmlns:p14="http://schemas.microsoft.com/office/powerpoint/2010/main" val="2522792542"/>
+                <p14:modId xmlns:p14="http://schemas.microsoft.com/office/powerpoint/2010/main" val="4003388525"/>
               </p:ext>
             </p:extLst>
           </p:nvPr>
@@ -15775,6 +15620,41 @@
           </a:graphicData>
         </a:graphic>
       </p:graphicFrame>
+      <p:sp>
+        <p:nvSpPr>
+          <p:cNvPr id="2" name="文本框 1">
+            <a:extLst>
+              <a:ext uri="{FF2B5EF4-FFF2-40B4-BE49-F238E27FC236}">
+                <a16:creationId xmlns:a16="http://schemas.microsoft.com/office/drawing/2014/main" id="{52FA567D-65B1-464C-8825-4D2EDAE97E58}"/>
+              </a:ext>
+            </a:extLst>
+          </p:cNvPr>
+          <p:cNvSpPr txBox="1"/>
+          <p:nvPr/>
+        </p:nvSpPr>
+        <p:spPr>
+          <a:xfrm>
+            <a:off x="9133242" y="5953667"/>
+            <a:ext cx="1569660" cy="369332"/>
+          </a:xfrm>
+          <a:prstGeom prst="rect">
+            <a:avLst/>
+          </a:prstGeom>
+          <a:noFill/>
+        </p:spPr>
+        <p:txBody>
+          <a:bodyPr wrap="none" rtlCol="0">
+            <a:spAutoFit/>
+          </a:bodyPr>
+          <a:lstStyle/>
+          <a:p>
+            <a:r>
+              <a:rPr kumimoji="1" lang="zh-CN" altLang="en-US" dirty="0"/>
+              <a:t>黄山可不用他</a:t>
+            </a:r>
+          </a:p>
+        </p:txBody>
+      </p:sp>
     </p:spTree>
     <p:extLst>
       <p:ext uri="{BB962C8B-B14F-4D97-AF65-F5344CB8AC3E}">
@@ -15818,7 +15698,7 @@
           <p:nvPr>
             <p:extLst>
               <p:ext uri="{D42A27DB-BD31-4B8C-83A1-F6EECF244321}">
-                <p14:modId xmlns:p14="http://schemas.microsoft.com/office/powerpoint/2010/main" val="2514911564"/>
+                <p14:modId xmlns:p14="http://schemas.microsoft.com/office/powerpoint/2010/main" val="204811150"/>
               </p:ext>
             </p:extLst>
           </p:nvPr>
